--- a/Slides/Razor_12.pptx
+++ b/Slides/Razor_12.pptx
@@ -289,7 +289,7 @@
           <a:p>
             <a:fld id="{57D7893D-5259-4683-BB69-0687E7ACAD74}" type="datetimeFigureOut">
               <a:rPr lang="en-US" smtClean="0"/>
-              <a:t>1/20/2022</a:t>
+              <a:t>2/9/2022</a:t>
             </a:fld>
             <a:endParaRPr lang="en-US"/>
           </a:p>
@@ -21608,7 +21608,7 @@
           <a:p>
             <a:fld id="{FC69B7DB-8367-4EA5-BD31-DC3A1C807884}" type="datetimeFigureOut">
               <a:rPr lang="en-US" smtClean="0"/>
-              <a:t>1/20/2022</a:t>
+              <a:t>2/9/2022</a:t>
             </a:fld>
             <a:endParaRPr lang="en-US" dirty="0"/>
           </a:p>
@@ -21985,7 +21985,7 @@
           <a:p>
             <a:fld id="{FC69B7DB-8367-4EA5-BD31-DC3A1C807884}" type="datetimeFigureOut">
               <a:rPr lang="en-US" smtClean="0"/>
-              <a:t>1/20/2022</a:t>
+              <a:t>2/9/2022</a:t>
             </a:fld>
             <a:endParaRPr lang="en-US" dirty="0"/>
           </a:p>
@@ -22421,7 +22421,7 @@
           <a:p>
             <a:fld id="{FC69B7DB-8367-4EA5-BD31-DC3A1C807884}" type="datetimeFigureOut">
               <a:rPr lang="en-US" smtClean="0"/>
-              <a:t>1/20/2022</a:t>
+              <a:t>2/9/2022</a:t>
             </a:fld>
             <a:endParaRPr lang="en-US" dirty="0"/>
           </a:p>
@@ -22991,7 +22991,7 @@
           <a:p>
             <a:fld id="{FC69B7DB-8367-4EA5-BD31-DC3A1C807884}" type="datetimeFigureOut">
               <a:rPr lang="en-US" smtClean="0"/>
-              <a:t>1/20/2022</a:t>
+              <a:t>2/9/2022</a:t>
             </a:fld>
             <a:endParaRPr lang="en-US" dirty="0"/>
           </a:p>
@@ -23257,7 +23257,7 @@
           <a:p>
             <a:fld id="{FC69B7DB-8367-4EA5-BD31-DC3A1C807884}" type="datetimeFigureOut">
               <a:rPr lang="en-US" smtClean="0"/>
-              <a:t>1/20/2022</a:t>
+              <a:t>2/9/2022</a:t>
             </a:fld>
             <a:endParaRPr lang="en-US" dirty="0"/>
           </a:p>
@@ -23722,7 +23722,7 @@
           <a:p>
             <a:fld id="{FC69B7DB-8367-4EA5-BD31-DC3A1C807884}" type="datetimeFigureOut">
               <a:rPr lang="en-US" smtClean="0"/>
-              <a:t>1/20/2022</a:t>
+              <a:t>2/9/2022</a:t>
             </a:fld>
             <a:endParaRPr lang="en-US" dirty="0"/>
           </a:p>
@@ -24170,7 +24170,7 @@
           <a:p>
             <a:fld id="{FC69B7DB-8367-4EA5-BD31-DC3A1C807884}" type="datetimeFigureOut">
               <a:rPr lang="en-US" smtClean="0"/>
-              <a:t>1/20/2022</a:t>
+              <a:t>2/9/2022</a:t>
             </a:fld>
             <a:endParaRPr lang="en-US" dirty="0"/>
           </a:p>
@@ -24614,7 +24614,7 @@
           <a:p>
             <a:fld id="{FC69B7DB-8367-4EA5-BD31-DC3A1C807884}" type="datetimeFigureOut">
               <a:rPr lang="en-US" smtClean="0"/>
-              <a:t>1/20/2022</a:t>
+              <a:t>2/9/2022</a:t>
             </a:fld>
             <a:endParaRPr lang="en-US" dirty="0"/>
           </a:p>
@@ -24808,7 +24808,7 @@
           <a:p>
             <a:fld id="{FC69B7DB-8367-4EA5-BD31-DC3A1C807884}" type="datetimeFigureOut">
               <a:rPr lang="en-US" smtClean="0"/>
-              <a:t>1/20/2022</a:t>
+              <a:t>2/9/2022</a:t>
             </a:fld>
             <a:endParaRPr lang="en-US" dirty="0"/>
           </a:p>
@@ -44143,8 +44143,8 @@
           <a:lstStyle/>
           <a:p>
             <a:r>
-              <a:rPr lang="en-US"/>
-              <a:t>Module 11</a:t>
+              <a:rPr lang="en-US" sz="3200" dirty="0"/>
+              <a:t>Module 12</a:t>
             </a:r>
           </a:p>
         </p:txBody>
@@ -44167,7 +44167,7 @@
           <a:lstStyle/>
           <a:p>
             <a:r>
-              <a:rPr lang="en-US" dirty="0"/>
+              <a:rPr lang="en-US" sz="2000" dirty="0"/>
               <a:t>Managing Security
 </a:t>
             </a:r>
